--- a/rev Toky/maquette Toky.pptx
+++ b/rev Toky/maquette Toky.pptx
@@ -280,7 +280,7 @@
           <a:p>
             <a:fld id="{F1F4DE76-F39D-408F-AFFB-E8CD8FDAA89F}" type="datetimeFigureOut">
               <a:rPr lang="fr-FR" smtClean="0"/>
-              <a:t>05/08/2021</a:t>
+              <a:t>25/08/2021</a:t>
             </a:fld>
             <a:endParaRPr lang="fr-FR"/>
           </a:p>
@@ -450,7 +450,7 @@
           <a:p>
             <a:fld id="{F1F4DE76-F39D-408F-AFFB-E8CD8FDAA89F}" type="datetimeFigureOut">
               <a:rPr lang="fr-FR" smtClean="0"/>
-              <a:t>05/08/2021</a:t>
+              <a:t>25/08/2021</a:t>
             </a:fld>
             <a:endParaRPr lang="fr-FR"/>
           </a:p>
@@ -630,7 +630,7 @@
           <a:p>
             <a:fld id="{F1F4DE76-F39D-408F-AFFB-E8CD8FDAA89F}" type="datetimeFigureOut">
               <a:rPr lang="fr-FR" smtClean="0"/>
-              <a:t>05/08/2021</a:t>
+              <a:t>25/08/2021</a:t>
             </a:fld>
             <a:endParaRPr lang="fr-FR"/>
           </a:p>
@@ -800,7 +800,7 @@
           <a:p>
             <a:fld id="{F1F4DE76-F39D-408F-AFFB-E8CD8FDAA89F}" type="datetimeFigureOut">
               <a:rPr lang="fr-FR" smtClean="0"/>
-              <a:t>05/08/2021</a:t>
+              <a:t>25/08/2021</a:t>
             </a:fld>
             <a:endParaRPr lang="fr-FR"/>
           </a:p>
@@ -1046,7 +1046,7 @@
           <a:p>
             <a:fld id="{F1F4DE76-F39D-408F-AFFB-E8CD8FDAA89F}" type="datetimeFigureOut">
               <a:rPr lang="fr-FR" smtClean="0"/>
-              <a:t>05/08/2021</a:t>
+              <a:t>25/08/2021</a:t>
             </a:fld>
             <a:endParaRPr lang="fr-FR"/>
           </a:p>
@@ -1278,7 +1278,7 @@
           <a:p>
             <a:fld id="{F1F4DE76-F39D-408F-AFFB-E8CD8FDAA89F}" type="datetimeFigureOut">
               <a:rPr lang="fr-FR" smtClean="0"/>
-              <a:t>05/08/2021</a:t>
+              <a:t>25/08/2021</a:t>
             </a:fld>
             <a:endParaRPr lang="fr-FR"/>
           </a:p>
@@ -1645,7 +1645,7 @@
           <a:p>
             <a:fld id="{F1F4DE76-F39D-408F-AFFB-E8CD8FDAA89F}" type="datetimeFigureOut">
               <a:rPr lang="fr-FR" smtClean="0"/>
-              <a:t>05/08/2021</a:t>
+              <a:t>25/08/2021</a:t>
             </a:fld>
             <a:endParaRPr lang="fr-FR"/>
           </a:p>
@@ -1763,7 +1763,7 @@
           <a:p>
             <a:fld id="{F1F4DE76-F39D-408F-AFFB-E8CD8FDAA89F}" type="datetimeFigureOut">
               <a:rPr lang="fr-FR" smtClean="0"/>
-              <a:t>05/08/2021</a:t>
+              <a:t>25/08/2021</a:t>
             </a:fld>
             <a:endParaRPr lang="fr-FR"/>
           </a:p>
@@ -1858,7 +1858,7 @@
           <a:p>
             <a:fld id="{F1F4DE76-F39D-408F-AFFB-E8CD8FDAA89F}" type="datetimeFigureOut">
               <a:rPr lang="fr-FR" smtClean="0"/>
-              <a:t>05/08/2021</a:t>
+              <a:t>25/08/2021</a:t>
             </a:fld>
             <a:endParaRPr lang="fr-FR"/>
           </a:p>
@@ -2135,7 +2135,7 @@
           <a:p>
             <a:fld id="{F1F4DE76-F39D-408F-AFFB-E8CD8FDAA89F}" type="datetimeFigureOut">
               <a:rPr lang="fr-FR" smtClean="0"/>
-              <a:t>05/08/2021</a:t>
+              <a:t>25/08/2021</a:t>
             </a:fld>
             <a:endParaRPr lang="fr-FR"/>
           </a:p>
@@ -2388,7 +2388,7 @@
           <a:p>
             <a:fld id="{F1F4DE76-F39D-408F-AFFB-E8CD8FDAA89F}" type="datetimeFigureOut">
               <a:rPr lang="fr-FR" smtClean="0"/>
-              <a:t>05/08/2021</a:t>
+              <a:t>25/08/2021</a:t>
             </a:fld>
             <a:endParaRPr lang="fr-FR"/>
           </a:p>
@@ -2601,7 +2601,7 @@
           <a:p>
             <a:fld id="{F1F4DE76-F39D-408F-AFFB-E8CD8FDAA89F}" type="datetimeFigureOut">
               <a:rPr lang="fr-FR" smtClean="0"/>
-              <a:t>05/08/2021</a:t>
+              <a:t>25/08/2021</a:t>
             </a:fld>
             <a:endParaRPr lang="fr-FR"/>
           </a:p>
@@ -23642,7 +23642,11 @@
           <a:p>
             <a:r>
               <a:rPr lang="fr-FR" dirty="0" smtClean="0"/>
-              <a:t>E125 Gestion des habilitations 564 Modif</a:t>
+              <a:t>E125 Gestion des habilitations </a:t>
+            </a:r>
+            <a:r>
+              <a:rPr lang="fr-FR" dirty="0" smtClean="0"/>
+              <a:t>564 CBJ RH</a:t>
             </a:r>
             <a:endParaRPr lang="fr-FR" dirty="0"/>
           </a:p>
@@ -23672,7 +23676,11 @@
           <a:p>
             <a:r>
               <a:rPr lang="fr-FR" dirty="0" smtClean="0"/>
-              <a:t>E125 Gestion des habilitations 564 Modif2</a:t>
+              <a:t>E125 Gestion des habilitations </a:t>
+            </a:r>
+            <a:r>
+              <a:rPr lang="fr-FR" dirty="0"/>
+              <a:t>564 CBJ RH</a:t>
             </a:r>
             <a:endParaRPr lang="fr-FR" dirty="0"/>
           </a:p>
